--- a/Lectures/Task Based Concurrency/Task Based Concurrency.pptx
+++ b/Lectures/Task Based Concurrency/Task Based Concurrency.pptx
@@ -201,7 +201,7 @@
           <a:p>
             <a:fld id="{DBE0ECA1-3FBF-48AE-AD2A-4439AE745E19}" type="datetimeFigureOut">
               <a:rPr lang="en-US" smtClean="0"/>
-              <a:t>12/20/2013</a:t>
+              <a:t>1/15/2014</a:t>
             </a:fld>
             <a:endParaRPr lang="en-US"/>
           </a:p>
@@ -662,7 +662,7 @@
           <a:p>
             <a:fld id="{9769DED8-28D4-45B9-A00F-7CFE9335FEA6}" type="datetime1">
               <a:rPr lang="en-US" smtClean="0"/>
-              <a:t>12/20/2013</a:t>
+              <a:t>1/15/2014</a:t>
             </a:fld>
             <a:endParaRPr lang="en-US"/>
           </a:p>
@@ -927,7 +927,7 @@
           <a:p>
             <a:fld id="{2DB3D439-1F88-44B4-B5F7-F9BCD4064257}" type="datetime1">
               <a:rPr lang="en-US" smtClean="0"/>
-              <a:t>12/20/2013</a:t>
+              <a:t>1/15/2014</a:t>
             </a:fld>
             <a:endParaRPr lang="en-US"/>
           </a:p>
@@ -1102,7 +1102,7 @@
           <a:p>
             <a:fld id="{99C5638F-6F55-4055-935C-67841BE78C36}" type="datetime1">
               <a:rPr lang="en-US" smtClean="0"/>
-              <a:t>12/20/2013</a:t>
+              <a:t>1/15/2014</a:t>
             </a:fld>
             <a:endParaRPr lang="en-US"/>
           </a:p>
@@ -1267,7 +1267,7 @@
           <a:p>
             <a:fld id="{E6987D90-0C92-4B22-A29D-FED15412CED2}" type="datetime1">
               <a:rPr lang="en-US" smtClean="0"/>
-              <a:t>12/20/2013</a:t>
+              <a:t>1/15/2014</a:t>
             </a:fld>
             <a:endParaRPr lang="en-US"/>
           </a:p>
@@ -1516,7 +1516,7 @@
           <a:p>
             <a:fld id="{DDB67BC4-9554-49E0-BCB3-D1EF965BA0B8}" type="datetime1">
               <a:rPr lang="en-US" smtClean="0"/>
-              <a:t>12/20/2013</a:t>
+              <a:t>1/15/2014</a:t>
             </a:fld>
             <a:endParaRPr lang="en-US"/>
           </a:p>
@@ -1799,7 +1799,7 @@
           <a:p>
             <a:fld id="{EC24D770-803D-4E01-921C-9C100DD8230C}" type="datetime1">
               <a:rPr lang="en-US" smtClean="0"/>
-              <a:t>12/20/2013</a:t>
+              <a:t>1/15/2014</a:t>
             </a:fld>
             <a:endParaRPr lang="en-US"/>
           </a:p>
@@ -2238,7 +2238,7 @@
           <a:p>
             <a:fld id="{356AD44B-78A4-4209-8070-7DCBE2DC4992}" type="datetime1">
               <a:rPr lang="en-US" smtClean="0"/>
-              <a:t>12/20/2013</a:t>
+              <a:t>1/15/2014</a:t>
             </a:fld>
             <a:endParaRPr lang="en-US"/>
           </a:p>
@@ -2351,7 +2351,7 @@
           <a:p>
             <a:fld id="{A993C59A-7CA2-467F-B7F1-9096881A01B8}" type="datetime1">
               <a:rPr lang="en-US" smtClean="0"/>
-              <a:t>12/20/2013</a:t>
+              <a:t>1/15/2014</a:t>
             </a:fld>
             <a:endParaRPr lang="en-US"/>
           </a:p>
@@ -2441,7 +2441,7 @@
           <a:p>
             <a:fld id="{2B6B58D0-2488-434A-8ED1-692E09B85CC5}" type="datetime1">
               <a:rPr lang="en-US" smtClean="0"/>
-              <a:t>12/20/2013</a:t>
+              <a:t>1/15/2014</a:t>
             </a:fld>
             <a:endParaRPr lang="en-US"/>
           </a:p>
@@ -2683,7 +2683,7 @@
           <a:p>
             <a:fld id="{FDB0AFC2-7D64-4F61-A7B7-9932D3305DDA}" type="datetime1">
               <a:rPr lang="en-US" smtClean="0"/>
-              <a:t>12/20/2013</a:t>
+              <a:t>1/15/2014</a:t>
             </a:fld>
             <a:endParaRPr lang="en-US"/>
           </a:p>
@@ -2977,7 +2977,7 @@
           <a:p>
             <a:fld id="{4983D17A-D7B2-4ECE-8A2C-93679B9D177B}" type="datetime1">
               <a:rPr lang="en-US" smtClean="0"/>
-              <a:t>12/20/2013</a:t>
+              <a:t>1/15/2014</a:t>
             </a:fld>
             <a:endParaRPr lang="en-US"/>
           </a:p>
@@ -3271,7 +3271,7 @@
           <a:p>
             <a:fld id="{2A5275F7-419E-4C23-8A3D-2EE5742B2EC9}" type="datetime1">
               <a:rPr lang="en-US" smtClean="0"/>
-              <a:t>12/20/2013</a:t>
+              <a:t>1/15/2014</a:t>
             </a:fld>
             <a:endParaRPr lang="en-US"/>
           </a:p>
@@ -4559,8 +4559,8 @@
           </a:p>
         </p:txBody>
       </p:sp>
-      <mc:AlternateContent xmlns:mc="http://schemas.openxmlformats.org/markup-compatibility/2006">
-        <mc:Choice xmlns:a14="http://schemas.microsoft.com/office/drawing/2010/main" Requires="a14">
+      <mc:AlternateContent xmlns:mc="http://schemas.openxmlformats.org/markup-compatibility/2006" xmlns:a14="http://schemas.microsoft.com/office/drawing/2010/main">
+        <mc:Choice Requires="a14">
           <p:sp>
             <p:nvSpPr>
               <p:cNvPr id="3" name="Content Placeholder 2"/>
@@ -4585,6 +4585,7 @@
                 <a:endParaRPr lang="en-US" dirty="0" smtClean="0"/>
               </a:p>
               <a:p>
+                <a:pPr/>
                 <a14:m>
                   <m:oMathPara xmlns:m="http://schemas.openxmlformats.org/officeDocument/2006/math">
                     <m:oMathParaPr>
@@ -4787,7 +4788,14 @@
                                     <a:latin typeface="Cambria Math"/>
                                     <a:ea typeface="Cambria Math"/>
                                   </a:rPr>
-                                  <m:t>𝟐𝟎</m:t>
+                                  <m:t>𝟐</m:t>
+                                </m:r>
+                                <m:r>
+                                  <a:rPr lang="en-US" b="1" i="1" smtClean="0">
+                                    <a:latin typeface="Cambria Math"/>
+                                    <a:ea typeface="Cambria Math"/>
+                                  </a:rPr>
+                                  <m:t>𝟎</m:t>
                                 </m:r>
                               </m:e>
                               <m:e>
@@ -4855,7 +4863,7 @@
             </p:txBody>
           </p:sp>
         </mc:Choice>
-        <mc:Fallback>
+        <mc:Fallback xmlns="">
           <p:sp>
             <p:nvSpPr>
               <p:cNvPr id="3" name="Content Placeholder 2"/>
@@ -5050,8 +5058,8 @@
           </a:p>
         </p:txBody>
       </p:sp>
-      <mc:AlternateContent xmlns:mc="http://schemas.openxmlformats.org/markup-compatibility/2006">
-        <mc:Choice xmlns:a14="http://schemas.microsoft.com/office/drawing/2010/main" Requires="a14">
+      <mc:AlternateContent xmlns:mc="http://schemas.openxmlformats.org/markup-compatibility/2006" xmlns:a14="http://schemas.microsoft.com/office/drawing/2010/main">
+        <mc:Choice Requires="a14">
           <p:sp>
             <p:nvSpPr>
               <p:cNvPr id="9" name="TextBox 8"/>
@@ -5151,7 +5159,7 @@
             </p:txBody>
           </p:sp>
         </mc:Choice>
-        <mc:Fallback>
+        <mc:Fallback xmlns="">
           <p:sp>
             <p:nvSpPr>
               <p:cNvPr id="9" name="TextBox 8"/>
@@ -5282,8 +5290,8 @@
           </a:p>
         </p:txBody>
       </p:sp>
-      <mc:AlternateContent xmlns:mc="http://schemas.openxmlformats.org/markup-compatibility/2006">
-        <mc:Choice xmlns:a14="http://schemas.microsoft.com/office/drawing/2010/main" Requires="a14">
+      <mc:AlternateContent xmlns:mc="http://schemas.openxmlformats.org/markup-compatibility/2006" xmlns:a14="http://schemas.microsoft.com/office/drawing/2010/main">
+        <mc:Choice Requires="a14">
           <p:sp>
             <p:nvSpPr>
               <p:cNvPr id="12" name="TextBox 11"/>
@@ -5306,6 +5314,7 @@
               </a:bodyPr>
               <a:lstStyle/>
               <a:p>
+                <a:pPr/>
                 <a14:m>
                   <m:oMathPara xmlns:m="http://schemas.openxmlformats.org/officeDocument/2006/math">
                     <m:oMathParaPr>
@@ -5382,7 +5391,7 @@
             </p:txBody>
           </p:sp>
         </mc:Choice>
-        <mc:Fallback>
+        <mc:Fallback xmlns="">
           <p:sp>
             <p:nvSpPr>
               <p:cNvPr id="12" name="TextBox 11"/>
@@ -6293,8 +6302,8 @@
           </a:p>
         </p:txBody>
       </p:sp>
-      <mc:AlternateContent xmlns:mc="http://schemas.openxmlformats.org/markup-compatibility/2006">
-        <mc:Choice xmlns:a14="http://schemas.microsoft.com/office/drawing/2010/main" Requires="a14">
+      <mc:AlternateContent xmlns:mc="http://schemas.openxmlformats.org/markup-compatibility/2006" xmlns:a14="http://schemas.microsoft.com/office/drawing/2010/main">
+        <mc:Choice Requires="a14">
           <p:sp>
             <p:nvSpPr>
               <p:cNvPr id="3" name="Content Placeholder 2"/>
@@ -6310,6 +6319,7 @@
               <a:bodyPr/>
               <a:lstStyle/>
               <a:p>
+                <a:pPr/>
                 <a14:m>
                   <m:oMathPara xmlns:m="http://schemas.openxmlformats.org/officeDocument/2006/math">
                     <m:oMathParaPr>
@@ -6587,6 +6597,7 @@
                 </a:endParaRPr>
               </a:p>
               <a:p>
+                <a:pPr/>
                 <a14:m>
                   <m:oMathPara xmlns:m="http://schemas.openxmlformats.org/officeDocument/2006/math">
                     <m:oMathParaPr>
@@ -6663,6 +6674,7 @@
                 </a:endParaRPr>
               </a:p>
               <a:p>
+                <a:pPr/>
                 <a14:m>
                   <m:oMathPara xmlns:m="http://schemas.openxmlformats.org/officeDocument/2006/math">
                     <m:oMathParaPr>
@@ -6737,6 +6749,7 @@
                 <a:endParaRPr lang="en-US" dirty="0" smtClean="0"/>
               </a:p>
               <a:p>
+                <a:pPr/>
                 <a14:m>
                   <m:oMathPara xmlns:m="http://schemas.openxmlformats.org/officeDocument/2006/math">
                     <m:oMathParaPr>
@@ -6819,6 +6832,7 @@
                 </a:endParaRPr>
               </a:p>
               <a:p>
+                <a:pPr/>
                 <a14:m>
                   <m:oMathPara xmlns:m="http://schemas.openxmlformats.org/officeDocument/2006/math">
                     <m:oMathParaPr>
@@ -6929,7 +6943,7 @@
             </p:txBody>
           </p:sp>
         </mc:Choice>
-        <mc:Fallback>
+        <mc:Fallback xmlns="">
           <p:sp>
             <p:nvSpPr>
               <p:cNvPr id="3" name="Content Placeholder 2"/>

--- a/Lectures/Task Based Concurrency/Task Based Concurrency.pptx
+++ b/Lectures/Task Based Concurrency/Task Based Concurrency.pptx
@@ -116,6 +116,22 @@
       </a:defRPr>
     </a:lvl9pPr>
   </p:defaultTextStyle>
+  <p:extLst>
+    <p:ext uri="{EFAFB233-063F-42B5-8137-9DF3F51BA10A}">
+      <p15:sldGuideLst xmlns:p15="http://schemas.microsoft.com/office/powerpoint/2012/main">
+        <p15:guide id="1" orient="horz" pos="2160">
+          <p15:clr>
+            <a:srgbClr val="A4A3A4"/>
+          </p15:clr>
+        </p15:guide>
+        <p15:guide id="2" pos="2880">
+          <p15:clr>
+            <a:srgbClr val="A4A3A4"/>
+          </p15:clr>
+        </p15:guide>
+      </p15:sldGuideLst>
+    </p:ext>
+  </p:extLst>
 </p:presentation>
 </file>
 
@@ -201,7 +217,7 @@
           <a:p>
             <a:fld id="{DBE0ECA1-3FBF-48AE-AD2A-4439AE745E19}" type="datetimeFigureOut">
               <a:rPr lang="en-US" smtClean="0"/>
-              <a:t>1/15/2014</a:t>
+              <a:t>2/3/2014</a:t>
             </a:fld>
             <a:endParaRPr lang="en-US"/>
           </a:p>
@@ -469,6 +485,184 @@
 </p:notesMaster>
 </file>
 
+<file path=ppt/notesSlides/notesSlide1.xml><?xml version="1.0" encoding="utf-8"?>
+<p:notes xmlns:a="http://schemas.openxmlformats.org/drawingml/2006/main" xmlns:r="http://schemas.openxmlformats.org/officeDocument/2006/relationships" xmlns:p="http://schemas.openxmlformats.org/presentationml/2006/main">
+  <p:cSld>
+    <p:spTree>
+      <p:nvGrpSpPr>
+        <p:cNvPr id="1" name=""/>
+        <p:cNvGrpSpPr/>
+        <p:nvPr/>
+      </p:nvGrpSpPr>
+      <p:grpSpPr>
+        <a:xfrm>
+          <a:off x="0" y="0"/>
+          <a:ext cx="0" cy="0"/>
+          <a:chOff x="0" y="0"/>
+          <a:chExt cx="0" cy="0"/>
+        </a:xfrm>
+      </p:grpSpPr>
+      <p:sp>
+        <p:nvSpPr>
+          <p:cNvPr id="2" name="Slide Image Placeholder 1"/>
+          <p:cNvSpPr>
+            <a:spLocks noGrp="1" noRot="1" noChangeAspect="1"/>
+          </p:cNvSpPr>
+          <p:nvPr>
+            <p:ph type="sldImg"/>
+          </p:nvPr>
+        </p:nvSpPr>
+        <p:spPr/>
+      </p:sp>
+      <p:sp>
+        <p:nvSpPr>
+          <p:cNvPr id="3" name="Notes Placeholder 2"/>
+          <p:cNvSpPr>
+            <a:spLocks noGrp="1"/>
+          </p:cNvSpPr>
+          <p:nvPr>
+            <p:ph type="body" idx="1"/>
+          </p:nvPr>
+        </p:nvSpPr>
+        <p:spPr/>
+        <p:txBody>
+          <a:bodyPr/>
+          <a:lstStyle/>
+          <a:p>
+            <a:endParaRPr lang="en-US" dirty="0"/>
+          </a:p>
+        </p:txBody>
+      </p:sp>
+      <p:sp>
+        <p:nvSpPr>
+          <p:cNvPr id="4" name="Slide Number Placeholder 3"/>
+          <p:cNvSpPr>
+            <a:spLocks noGrp="1"/>
+          </p:cNvSpPr>
+          <p:nvPr>
+            <p:ph type="sldNum" sz="quarter" idx="10"/>
+          </p:nvPr>
+        </p:nvSpPr>
+        <p:spPr/>
+        <p:txBody>
+          <a:bodyPr/>
+          <a:lstStyle/>
+          <a:p>
+            <a:fld id="{33EB61B5-0B25-4052-8EFA-97E46EEADB31}" type="slidenum">
+              <a:rPr lang="en-US" smtClean="0"/>
+              <a:t>2</a:t>
+            </a:fld>
+            <a:endParaRPr lang="en-US"/>
+          </a:p>
+        </p:txBody>
+      </p:sp>
+    </p:spTree>
+    <p:extLst>
+      <p:ext uri="{BB962C8B-B14F-4D97-AF65-F5344CB8AC3E}">
+        <p14:creationId xmlns:p14="http://schemas.microsoft.com/office/powerpoint/2010/main" val="1672222209"/>
+      </p:ext>
+    </p:extLst>
+  </p:cSld>
+  <p:clrMapOvr>
+    <a:masterClrMapping/>
+  </p:clrMapOvr>
+</p:notes>
+</file>
+
+<file path=ppt/notesSlides/notesSlide2.xml><?xml version="1.0" encoding="utf-8"?>
+<p:notes xmlns:a="http://schemas.openxmlformats.org/drawingml/2006/main" xmlns:r="http://schemas.openxmlformats.org/officeDocument/2006/relationships" xmlns:p="http://schemas.openxmlformats.org/presentationml/2006/main">
+  <p:cSld>
+    <p:spTree>
+      <p:nvGrpSpPr>
+        <p:cNvPr id="1" name=""/>
+        <p:cNvGrpSpPr/>
+        <p:nvPr/>
+      </p:nvGrpSpPr>
+      <p:grpSpPr>
+        <a:xfrm>
+          <a:off x="0" y="0"/>
+          <a:ext cx="0" cy="0"/>
+          <a:chOff x="0" y="0"/>
+          <a:chExt cx="0" cy="0"/>
+        </a:xfrm>
+      </p:grpSpPr>
+      <p:sp>
+        <p:nvSpPr>
+          <p:cNvPr id="2" name="Slide Image Placeholder 1"/>
+          <p:cNvSpPr>
+            <a:spLocks noGrp="1" noRot="1" noChangeAspect="1"/>
+          </p:cNvSpPr>
+          <p:nvPr>
+            <p:ph type="sldImg"/>
+          </p:nvPr>
+        </p:nvSpPr>
+        <p:spPr/>
+      </p:sp>
+      <p:sp>
+        <p:nvSpPr>
+          <p:cNvPr id="3" name="Notes Placeholder 2"/>
+          <p:cNvSpPr>
+            <a:spLocks noGrp="1"/>
+          </p:cNvSpPr>
+          <p:nvPr>
+            <p:ph type="body" idx="1"/>
+          </p:nvPr>
+        </p:nvSpPr>
+        <p:spPr/>
+        <p:txBody>
+          <a:bodyPr/>
+          <a:lstStyle/>
+          <a:p>
+            <a:r>
+              <a:rPr lang="en-US" dirty="0" smtClean="0"/>
+              <a:t>See</a:t>
+            </a:r>
+            <a:r>
+              <a:rPr lang="en-US" baseline="0" dirty="0" smtClean="0"/>
+              <a:t> matrix multiplication example solution</a:t>
+            </a:r>
+          </a:p>
+          <a:p>
+            <a:endParaRPr lang="en-US" dirty="0"/>
+          </a:p>
+        </p:txBody>
+      </p:sp>
+      <p:sp>
+        <p:nvSpPr>
+          <p:cNvPr id="4" name="Slide Number Placeholder 3"/>
+          <p:cNvSpPr>
+            <a:spLocks noGrp="1"/>
+          </p:cNvSpPr>
+          <p:nvPr>
+            <p:ph type="sldNum" sz="quarter" idx="10"/>
+          </p:nvPr>
+        </p:nvSpPr>
+        <p:spPr/>
+        <p:txBody>
+          <a:bodyPr/>
+          <a:lstStyle/>
+          <a:p>
+            <a:fld id="{33EB61B5-0B25-4052-8EFA-97E46EEADB31}" type="slidenum">
+              <a:rPr lang="en-US" smtClean="0"/>
+              <a:t>6</a:t>
+            </a:fld>
+            <a:endParaRPr lang="en-US"/>
+          </a:p>
+        </p:txBody>
+      </p:sp>
+    </p:spTree>
+    <p:extLst>
+      <p:ext uri="{BB962C8B-B14F-4D97-AF65-F5344CB8AC3E}">
+        <p14:creationId xmlns:p14="http://schemas.microsoft.com/office/powerpoint/2010/main" val="470610102"/>
+      </p:ext>
+    </p:extLst>
+  </p:cSld>
+  <p:clrMapOvr>
+    <a:masterClrMapping/>
+  </p:clrMapOvr>
+</p:notes>
+</file>
+
 <file path=ppt/slideLayouts/slideLayout1.xml><?xml version="1.0" encoding="utf-8"?>
 <p:sldLayout xmlns:a="http://schemas.openxmlformats.org/drawingml/2006/main" xmlns:r="http://schemas.openxmlformats.org/officeDocument/2006/relationships" xmlns:p="http://schemas.openxmlformats.org/presentationml/2006/main" showMasterSp="0" type="title" preserve="1">
   <p:cSld name="Title Slide">
@@ -662,7 +856,7 @@
           <a:p>
             <a:fld id="{9769DED8-28D4-45B9-A00F-7CFE9335FEA6}" type="datetime1">
               <a:rPr lang="en-US" smtClean="0"/>
-              <a:t>1/15/2014</a:t>
+              <a:t>2/3/2014</a:t>
             </a:fld>
             <a:endParaRPr lang="en-US"/>
           </a:p>
@@ -927,7 +1121,7 @@
           <a:p>
             <a:fld id="{2DB3D439-1F88-44B4-B5F7-F9BCD4064257}" type="datetime1">
               <a:rPr lang="en-US" smtClean="0"/>
-              <a:t>1/15/2014</a:t>
+              <a:t>2/3/2014</a:t>
             </a:fld>
             <a:endParaRPr lang="en-US"/>
           </a:p>
@@ -1102,7 +1296,7 @@
           <a:p>
             <a:fld id="{99C5638F-6F55-4055-935C-67841BE78C36}" type="datetime1">
               <a:rPr lang="en-US" smtClean="0"/>
-              <a:t>1/15/2014</a:t>
+              <a:t>2/3/2014</a:t>
             </a:fld>
             <a:endParaRPr lang="en-US"/>
           </a:p>
@@ -1267,7 +1461,7 @@
           <a:p>
             <a:fld id="{E6987D90-0C92-4B22-A29D-FED15412CED2}" type="datetime1">
               <a:rPr lang="en-US" smtClean="0"/>
-              <a:t>1/15/2014</a:t>
+              <a:t>2/3/2014</a:t>
             </a:fld>
             <a:endParaRPr lang="en-US"/>
           </a:p>
@@ -1516,7 +1710,7 @@
           <a:p>
             <a:fld id="{DDB67BC4-9554-49E0-BCB3-D1EF965BA0B8}" type="datetime1">
               <a:rPr lang="en-US" smtClean="0"/>
-              <a:t>1/15/2014</a:t>
+              <a:t>2/3/2014</a:t>
             </a:fld>
             <a:endParaRPr lang="en-US"/>
           </a:p>
@@ -1799,7 +1993,7 @@
           <a:p>
             <a:fld id="{EC24D770-803D-4E01-921C-9C100DD8230C}" type="datetime1">
               <a:rPr lang="en-US" smtClean="0"/>
-              <a:t>1/15/2014</a:t>
+              <a:t>2/3/2014</a:t>
             </a:fld>
             <a:endParaRPr lang="en-US"/>
           </a:p>
@@ -2238,7 +2432,7 @@
           <a:p>
             <a:fld id="{356AD44B-78A4-4209-8070-7DCBE2DC4992}" type="datetime1">
               <a:rPr lang="en-US" smtClean="0"/>
-              <a:t>1/15/2014</a:t>
+              <a:t>2/3/2014</a:t>
             </a:fld>
             <a:endParaRPr lang="en-US"/>
           </a:p>
@@ -2351,7 +2545,7 @@
           <a:p>
             <a:fld id="{A993C59A-7CA2-467F-B7F1-9096881A01B8}" type="datetime1">
               <a:rPr lang="en-US" smtClean="0"/>
-              <a:t>1/15/2014</a:t>
+              <a:t>2/3/2014</a:t>
             </a:fld>
             <a:endParaRPr lang="en-US"/>
           </a:p>
@@ -2441,7 +2635,7 @@
           <a:p>
             <a:fld id="{2B6B58D0-2488-434A-8ED1-692E09B85CC5}" type="datetime1">
               <a:rPr lang="en-US" smtClean="0"/>
-              <a:t>1/15/2014</a:t>
+              <a:t>2/3/2014</a:t>
             </a:fld>
             <a:endParaRPr lang="en-US"/>
           </a:p>
@@ -2683,7 +2877,7 @@
           <a:p>
             <a:fld id="{FDB0AFC2-7D64-4F61-A7B7-9932D3305DDA}" type="datetime1">
               <a:rPr lang="en-US" smtClean="0"/>
-              <a:t>1/15/2014</a:t>
+              <a:t>2/3/2014</a:t>
             </a:fld>
             <a:endParaRPr lang="en-US"/>
           </a:p>
@@ -2977,7 +3171,7 @@
           <a:p>
             <a:fld id="{4983D17A-D7B2-4ECE-8A2C-93679B9D177B}" type="datetime1">
               <a:rPr lang="en-US" smtClean="0"/>
-              <a:t>1/15/2014</a:t>
+              <a:t>2/3/2014</a:t>
             </a:fld>
             <a:endParaRPr lang="en-US"/>
           </a:p>
@@ -3271,7 +3465,7 @@
           <a:p>
             <a:fld id="{2A5275F7-419E-4C23-8A3D-2EE5742B2EC9}" type="datetime1">
               <a:rPr lang="en-US" smtClean="0"/>
-              <a:t>1/15/2014</a:t>
+              <a:t>2/3/2014</a:t>
             </a:fld>
             <a:endParaRPr lang="en-US"/>
           </a:p>
@@ -4297,7 +4491,15 @@
             <a:pPr marL="800100" lvl="1" indent="-342900"/>
             <a:r>
               <a:rPr lang="en-US" dirty="0" smtClean="0"/>
-              <a:t>Write the algorithm so that it can act on data of any size</a:t>
+              <a:t>Write the algorithm so that it can act on data of </a:t>
+            </a:r>
+            <a:r>
+              <a:rPr lang="en-US" b="1" dirty="0" smtClean="0"/>
+              <a:t>any</a:t>
+            </a:r>
+            <a:r>
+              <a:rPr lang="en-US" dirty="0" smtClean="0"/>
+              <a:t> size</a:t>
             </a:r>
           </a:p>
           <a:p>
@@ -4329,7 +4531,26 @@
             <a:pPr marL="342900" indent="-342900"/>
             <a:r>
               <a:rPr lang="en-US" dirty="0" smtClean="0"/>
-              <a:t>The map-reduce approach is one way to implement task-based concurrency.</a:t>
+              <a:t>The map-reduce approach is one way to implement task-based concurrency</a:t>
+            </a:r>
+            <a:r>
+              <a:rPr lang="en-US" dirty="0" smtClean="0"/>
+              <a:t>.</a:t>
+            </a:r>
+          </a:p>
+          <a:p>
+            <a:pPr marL="342900" indent="-342900"/>
+            <a:r>
+              <a:rPr lang="en-US" dirty="0" smtClean="0"/>
+              <a:t>* </a:t>
+            </a:r>
+            <a:r>
+              <a:rPr lang="en-US" dirty="0" err="1" smtClean="0"/>
+              <a:t>Simplist</a:t>
+            </a:r>
+            <a:r>
+              <a:rPr lang="en-US" dirty="0" smtClean="0"/>
+              <a:t> and most useful</a:t>
             </a:r>
             <a:endParaRPr lang="en-US" dirty="0"/>
           </a:p>
@@ -4598,7 +4819,7 @@
                           <m:endChr m:val="]"/>
                           <m:ctrlPr>
                             <a:rPr lang="en-US" i="1" smtClean="0">
-                              <a:latin typeface="Cambria Math"/>
+                              <a:latin typeface="Cambria Math" panose="02040503050406030204" pitchFamily="18" charset="0"/>
                             </a:rPr>
                           </m:ctrlPr>
                         </m:dPr>
@@ -4615,7 +4836,7 @@
                               </m:mcs>
                               <m:ctrlPr>
                                 <a:rPr lang="en-US" i="1" smtClean="0">
-                                  <a:latin typeface="Cambria Math"/>
+                                  <a:latin typeface="Cambria Math" panose="02040503050406030204" pitchFamily="18" charset="0"/>
                                 </a:rPr>
                               </m:ctrlPr>
                             </m:mPr>
@@ -4673,7 +4894,7 @@
                           <m:endChr m:val="]"/>
                           <m:ctrlPr>
                             <a:rPr lang="en-US" i="1" smtClean="0">
-                              <a:latin typeface="Cambria Math"/>
+                              <a:latin typeface="Cambria Math" panose="02040503050406030204" pitchFamily="18" charset="0"/>
                             </a:rPr>
                           </m:ctrlPr>
                         </m:dPr>
@@ -4690,7 +4911,7 @@
                               </m:mcs>
                               <m:ctrlPr>
                                 <a:rPr lang="en-US" i="1" smtClean="0">
-                                  <a:latin typeface="Cambria Math"/>
+                                  <a:latin typeface="Cambria Math" panose="02040503050406030204" pitchFamily="18" charset="0"/>
                                 </a:rPr>
                               </m:ctrlPr>
                             </m:mPr>
@@ -4755,7 +4976,7 @@
                           <m:endChr m:val="]"/>
                           <m:ctrlPr>
                             <a:rPr lang="en-US" i="1" smtClean="0">
-                              <a:latin typeface="Cambria Math"/>
+                              <a:latin typeface="Cambria Math" panose="02040503050406030204" pitchFamily="18" charset="0"/>
                               <a:ea typeface="Cambria Math"/>
                             </a:rPr>
                           </m:ctrlPr>
@@ -4773,7 +4994,7 @@
                               </m:mcs>
                               <m:ctrlPr>
                                 <a:rPr lang="en-US" i="1" smtClean="0">
-                                  <a:latin typeface="Cambria Math"/>
+                                  <a:latin typeface="Cambria Math" panose="02040503050406030204" pitchFamily="18" charset="0"/>
                                   <a:ea typeface="Cambria Math"/>
                                 </a:rPr>
                               </m:ctrlPr>
@@ -5933,8 +6154,13 @@
             <a:pPr marL="800100" lvl="1" indent="-342900"/>
             <a:r>
               <a:rPr lang="en-US" dirty="0" smtClean="0"/>
-              <a:t>Process for sight-reading code</a:t>
-            </a:r>
+              <a:t>Process for sight-reading </a:t>
+            </a:r>
+            <a:r>
+              <a:rPr lang="en-US" dirty="0" smtClean="0"/>
+              <a:t>code:</a:t>
+            </a:r>
+            <a:endParaRPr lang="en-US" dirty="0" smtClean="0"/>
           </a:p>
           <a:p>
             <a:pPr marL="1485900" lvl="2" indent="-342900"/>
@@ -5998,12 +6224,17 @@
               <a:rPr lang="en-US" dirty="0" smtClean="0"/>
               <a:t>Map </a:t>
             </a:r>
+            <a:r>
+              <a:rPr lang="en-US" dirty="0" smtClean="0"/>
+              <a:t>– puts it off into different threads</a:t>
+            </a:r>
+            <a:endParaRPr lang="en-US" dirty="0" smtClean="0"/>
           </a:p>
           <a:p>
             <a:pPr marL="1485900" lvl="2" indent="-342900"/>
             <a:r>
               <a:rPr lang="en-US" dirty="0" smtClean="0"/>
-              <a:t>Reduce</a:t>
+              <a:t>Reduce – brings it back together</a:t>
             </a:r>
             <a:endParaRPr lang="en-US" dirty="0"/>
           </a:p>
@@ -6332,7 +6563,7 @@
                           <m:endChr m:val="]"/>
                           <m:ctrlPr>
                             <a:rPr lang="en-US" i="1" smtClean="0">
-                              <a:latin typeface="Cambria Math"/>
+                              <a:latin typeface="Cambria Math" panose="02040503050406030204" pitchFamily="18" charset="0"/>
                             </a:rPr>
                           </m:ctrlPr>
                         </m:dPr>
@@ -6349,7 +6580,7 @@
                               </m:mcs>
                               <m:ctrlPr>
                                 <a:rPr lang="en-US" i="1">
-                                  <a:latin typeface="Cambria Math"/>
+                                  <a:latin typeface="Cambria Math" panose="02040503050406030204" pitchFamily="18" charset="0"/>
                                 </a:rPr>
                               </m:ctrlPr>
                             </m:mPr>
@@ -6407,7 +6638,7 @@
                           <m:endChr m:val="]"/>
                           <m:ctrlPr>
                             <a:rPr lang="en-US" i="1">
-                              <a:latin typeface="Cambria Math"/>
+                              <a:latin typeface="Cambria Math" panose="02040503050406030204" pitchFamily="18" charset="0"/>
                             </a:rPr>
                           </m:ctrlPr>
                         </m:dPr>
@@ -6424,7 +6655,7 @@
                               </m:mcs>
                               <m:ctrlPr>
                                 <a:rPr lang="en-US" i="1">
-                                  <a:latin typeface="Cambria Math"/>
+                                  <a:latin typeface="Cambria Math" panose="02040503050406030204" pitchFamily="18" charset="0"/>
                                 </a:rPr>
                               </m:ctrlPr>
                             </m:mPr>
@@ -6489,7 +6720,7 @@
                           <m:endChr m:val="]"/>
                           <m:ctrlPr>
                             <a:rPr lang="en-US" i="1">
-                              <a:latin typeface="Cambria Math"/>
+                              <a:latin typeface="Cambria Math" panose="02040503050406030204" pitchFamily="18" charset="0"/>
                               <a:ea typeface="Cambria Math"/>
                             </a:rPr>
                           </m:ctrlPr>
@@ -6507,7 +6738,7 @@
                               </m:mcs>
                               <m:ctrlPr>
                                 <a:rPr lang="en-US" i="1">
-                                  <a:latin typeface="Cambria Math"/>
+                                  <a:latin typeface="Cambria Math" panose="02040503050406030204" pitchFamily="18" charset="0"/>
                                   <a:ea typeface="Cambria Math"/>
                                 </a:rPr>
                               </m:ctrlPr>
